--- a/Дипломна работа презентация.pptx
+++ b/Дипломна работа презентация.pptx
@@ -8,14 +8,15 @@
     <p:sldId id="256" r:id="rId2"/>
     <p:sldId id="257" r:id="rId3"/>
     <p:sldId id="258" r:id="rId4"/>
-    <p:sldId id="259" r:id="rId5"/>
-    <p:sldId id="260" r:id="rId6"/>
-    <p:sldId id="261" r:id="rId7"/>
-    <p:sldId id="262" r:id="rId8"/>
-    <p:sldId id="263" r:id="rId9"/>
-    <p:sldId id="264" r:id="rId10"/>
-    <p:sldId id="265" r:id="rId11"/>
-    <p:sldId id="266" r:id="rId12"/>
+    <p:sldId id="267" r:id="rId5"/>
+    <p:sldId id="259" r:id="rId6"/>
+    <p:sldId id="260" r:id="rId7"/>
+    <p:sldId id="261" r:id="rId8"/>
+    <p:sldId id="262" r:id="rId9"/>
+    <p:sldId id="263" r:id="rId10"/>
+    <p:sldId id="264" r:id="rId11"/>
+    <p:sldId id="265" r:id="rId12"/>
+    <p:sldId id="266" r:id="rId13"/>
   </p:sldIdLst>
   <p:sldSz cx="12192000" cy="6858000"/>
   <p:notesSz cx="6858000" cy="9144000"/>
@@ -253,7 +254,7 @@
           <a:p>
             <a:fld id="{903179D7-B7A8-4D9A-91FD-787AEAE345A6}" type="datetimeFigureOut">
               <a:rPr lang="bg-BG" smtClean="0"/>
-              <a:t>7.7.2018 г.</a:t>
+              <a:t>9.7.2018 г.</a:t>
             </a:fld>
             <a:endParaRPr lang="bg-BG"/>
           </a:p>
@@ -423,7 +424,7 @@
           <a:p>
             <a:fld id="{903179D7-B7A8-4D9A-91FD-787AEAE345A6}" type="datetimeFigureOut">
               <a:rPr lang="bg-BG" smtClean="0"/>
-              <a:t>7.7.2018 г.</a:t>
+              <a:t>9.7.2018 г.</a:t>
             </a:fld>
             <a:endParaRPr lang="bg-BG"/>
           </a:p>
@@ -603,7 +604,7 @@
           <a:p>
             <a:fld id="{903179D7-B7A8-4D9A-91FD-787AEAE345A6}" type="datetimeFigureOut">
               <a:rPr lang="bg-BG" smtClean="0"/>
-              <a:t>7.7.2018 г.</a:t>
+              <a:t>9.7.2018 г.</a:t>
             </a:fld>
             <a:endParaRPr lang="bg-BG"/>
           </a:p>
@@ -773,7 +774,7 @@
           <a:p>
             <a:fld id="{903179D7-B7A8-4D9A-91FD-787AEAE345A6}" type="datetimeFigureOut">
               <a:rPr lang="bg-BG" smtClean="0"/>
-              <a:t>7.7.2018 г.</a:t>
+              <a:t>9.7.2018 г.</a:t>
             </a:fld>
             <a:endParaRPr lang="bg-BG"/>
           </a:p>
@@ -1019,7 +1020,7 @@
           <a:p>
             <a:fld id="{903179D7-B7A8-4D9A-91FD-787AEAE345A6}" type="datetimeFigureOut">
               <a:rPr lang="bg-BG" smtClean="0"/>
-              <a:t>7.7.2018 г.</a:t>
+              <a:t>9.7.2018 г.</a:t>
             </a:fld>
             <a:endParaRPr lang="bg-BG"/>
           </a:p>
@@ -1251,7 +1252,7 @@
           <a:p>
             <a:fld id="{903179D7-B7A8-4D9A-91FD-787AEAE345A6}" type="datetimeFigureOut">
               <a:rPr lang="bg-BG" smtClean="0"/>
-              <a:t>7.7.2018 г.</a:t>
+              <a:t>9.7.2018 г.</a:t>
             </a:fld>
             <a:endParaRPr lang="bg-BG"/>
           </a:p>
@@ -1618,7 +1619,7 @@
           <a:p>
             <a:fld id="{903179D7-B7A8-4D9A-91FD-787AEAE345A6}" type="datetimeFigureOut">
               <a:rPr lang="bg-BG" smtClean="0"/>
-              <a:t>7.7.2018 г.</a:t>
+              <a:t>9.7.2018 г.</a:t>
             </a:fld>
             <a:endParaRPr lang="bg-BG"/>
           </a:p>
@@ -1736,7 +1737,7 @@
           <a:p>
             <a:fld id="{903179D7-B7A8-4D9A-91FD-787AEAE345A6}" type="datetimeFigureOut">
               <a:rPr lang="bg-BG" smtClean="0"/>
-              <a:t>7.7.2018 г.</a:t>
+              <a:t>9.7.2018 г.</a:t>
             </a:fld>
             <a:endParaRPr lang="bg-BG"/>
           </a:p>
@@ -1831,7 +1832,7 @@
           <a:p>
             <a:fld id="{903179D7-B7A8-4D9A-91FD-787AEAE345A6}" type="datetimeFigureOut">
               <a:rPr lang="bg-BG" smtClean="0"/>
-              <a:t>7.7.2018 г.</a:t>
+              <a:t>9.7.2018 г.</a:t>
             </a:fld>
             <a:endParaRPr lang="bg-BG"/>
           </a:p>
@@ -2108,7 +2109,7 @@
           <a:p>
             <a:fld id="{903179D7-B7A8-4D9A-91FD-787AEAE345A6}" type="datetimeFigureOut">
               <a:rPr lang="bg-BG" smtClean="0"/>
-              <a:t>7.7.2018 г.</a:t>
+              <a:t>9.7.2018 г.</a:t>
             </a:fld>
             <a:endParaRPr lang="bg-BG"/>
           </a:p>
@@ -2361,7 +2362,7 @@
           <a:p>
             <a:fld id="{903179D7-B7A8-4D9A-91FD-787AEAE345A6}" type="datetimeFigureOut">
               <a:rPr lang="bg-BG" smtClean="0"/>
-              <a:t>7.7.2018 г.</a:t>
+              <a:t>9.7.2018 г.</a:t>
             </a:fld>
             <a:endParaRPr lang="bg-BG"/>
           </a:p>
@@ -2574,7 +2575,7 @@
           <a:p>
             <a:fld id="{903179D7-B7A8-4D9A-91FD-787AEAE345A6}" type="datetimeFigureOut">
               <a:rPr lang="bg-BG" smtClean="0"/>
-              <a:t>7.7.2018 г.</a:t>
+              <a:t>9.7.2018 г.</a:t>
             </a:fld>
             <a:endParaRPr lang="bg-BG"/>
           </a:p>
@@ -3024,10 +3025,15 @@
             <p:ph type="subTitle" idx="1"/>
           </p:nvPr>
         </p:nvSpPr>
-        <p:spPr/>
+        <p:spPr>
+          <a:xfrm>
+            <a:off x="1524000" y="3602038"/>
+            <a:ext cx="9144000" cy="2498316"/>
+          </a:xfrm>
+        </p:spPr>
         <p:txBody>
           <a:bodyPr>
-            <a:normAutofit fontScale="77500" lnSpcReduction="20000"/>
+            <a:normAutofit fontScale="92500" lnSpcReduction="10000"/>
           </a:bodyPr>
           <a:lstStyle/>
           <a:p>
@@ -3079,6 +3085,30 @@
                 <a:cs typeface="Times New Roman" panose="02020603050405020304" pitchFamily="18" charset="0"/>
               </a:rPr>
               <a:t>Факултетен № 1401261025</a:t>
+            </a:r>
+          </a:p>
+          <a:p>
+            <a:pPr algn="l"/>
+            <a:r>
+              <a:rPr lang="bg-BG" dirty="0" smtClean="0">
+                <a:latin typeface="Times New Roman" panose="02020603050405020304" pitchFamily="18" charset="0"/>
+                <a:cs typeface="Times New Roman" panose="02020603050405020304" pitchFamily="18" charset="0"/>
+              </a:rPr>
+              <a:t>Специалност</a:t>
+            </a:r>
+            <a:r>
+              <a:rPr lang="bg-BG" dirty="0">
+                <a:latin typeface="Times New Roman" panose="02020603050405020304" pitchFamily="18" charset="0"/>
+                <a:cs typeface="Times New Roman" panose="02020603050405020304" pitchFamily="18" charset="0"/>
+              </a:rPr>
+              <a:t>: </a:t>
+            </a:r>
+            <a:r>
+              <a:rPr lang="bg-BG" dirty="0" smtClean="0">
+                <a:latin typeface="Times New Roman" panose="02020603050405020304" pitchFamily="18" charset="0"/>
+                <a:cs typeface="Times New Roman" panose="02020603050405020304" pitchFamily="18" charset="0"/>
+              </a:rPr>
+              <a:t>Информатика</a:t>
             </a:r>
             <a:endParaRPr lang="bg-BG" dirty="0">
               <a:latin typeface="Times New Roman" panose="02020603050405020304" pitchFamily="18" charset="0"/>
@@ -3137,6 +3167,188 @@
             <p:ph type="title"/>
           </p:nvPr>
         </p:nvSpPr>
+        <p:spPr>
+          <a:xfrm>
+            <a:off x="838200" y="365125"/>
+            <a:ext cx="10515600" cy="666841"/>
+          </a:xfrm>
+        </p:spPr>
+        <p:txBody>
+          <a:bodyPr>
+            <a:normAutofit fontScale="90000"/>
+          </a:bodyPr>
+          <a:lstStyle/>
+          <a:p>
+            <a:pPr algn="ctr"/>
+            <a:r>
+              <a:rPr lang="bg-BG" b="1" dirty="0">
+                <a:solidFill>
+                  <a:srgbClr val="0070C0"/>
+                </a:solidFill>
+                <a:latin typeface="Times New Roman" panose="02020603050405020304" pitchFamily="18" charset="0"/>
+                <a:cs typeface="Times New Roman" panose="02020603050405020304" pitchFamily="18" charset="0"/>
+              </a:rPr>
+              <a:t>Администраторски панел</a:t>
+            </a:r>
+          </a:p>
+        </p:txBody>
+      </p:sp>
+      <p:pic>
+        <p:nvPicPr>
+          <p:cNvPr id="4" name="Content Placeholder 3"/>
+          <p:cNvPicPr>
+            <a:picLocks noGrp="1"/>
+          </p:cNvPicPr>
+          <p:nvPr>
+            <p:ph idx="1"/>
+          </p:nvPr>
+        </p:nvPicPr>
+        <p:blipFill>
+          <a:blip r:embed="rId2">
+            <a:extLst>
+              <a:ext uri="{28A0092B-C50C-407E-A947-70E740481C1C}">
+                <a14:useLocalDpi xmlns:a14="http://schemas.microsoft.com/office/drawing/2010/main" val="0"/>
+              </a:ext>
+            </a:extLst>
+          </a:blip>
+          <a:stretch>
+            <a:fillRect/>
+          </a:stretch>
+        </p:blipFill>
+        <p:spPr>
+          <a:xfrm>
+            <a:off x="74609" y="1031966"/>
+            <a:ext cx="6349051" cy="3077256"/>
+          </a:xfrm>
+          <a:prstGeom prst="rect">
+            <a:avLst/>
+          </a:prstGeom>
+        </p:spPr>
+      </p:pic>
+      <p:pic>
+        <p:nvPicPr>
+          <p:cNvPr id="5" name="Picture 4"/>
+          <p:cNvPicPr/>
+          <p:nvPr/>
+        </p:nvPicPr>
+        <p:blipFill>
+          <a:blip r:embed="rId3">
+            <a:extLst>
+              <a:ext uri="{28A0092B-C50C-407E-A947-70E740481C1C}">
+                <a14:useLocalDpi xmlns:a14="http://schemas.microsoft.com/office/drawing/2010/main" val="0"/>
+              </a:ext>
+            </a:extLst>
+          </a:blip>
+          <a:stretch>
+            <a:fillRect/>
+          </a:stretch>
+        </p:blipFill>
+        <p:spPr>
+          <a:xfrm>
+            <a:off x="6423660" y="966607"/>
+            <a:ext cx="5768340" cy="3142615"/>
+          </a:xfrm>
+          <a:prstGeom prst="rect">
+            <a:avLst/>
+          </a:prstGeom>
+        </p:spPr>
+      </p:pic>
+      <p:pic>
+        <p:nvPicPr>
+          <p:cNvPr id="6" name="Picture 5"/>
+          <p:cNvPicPr/>
+          <p:nvPr/>
+        </p:nvPicPr>
+        <p:blipFill>
+          <a:blip r:embed="rId4">
+            <a:extLst>
+              <a:ext uri="{28A0092B-C50C-407E-A947-70E740481C1C}">
+                <a14:useLocalDpi xmlns:a14="http://schemas.microsoft.com/office/drawing/2010/main" val="0"/>
+              </a:ext>
+            </a:extLst>
+          </a:blip>
+          <a:stretch>
+            <a:fillRect/>
+          </a:stretch>
+        </p:blipFill>
+        <p:spPr>
+          <a:xfrm>
+            <a:off x="74609" y="4109222"/>
+            <a:ext cx="5760720" cy="2535555"/>
+          </a:xfrm>
+          <a:prstGeom prst="rect">
+            <a:avLst/>
+          </a:prstGeom>
+        </p:spPr>
+      </p:pic>
+      <p:pic>
+        <p:nvPicPr>
+          <p:cNvPr id="7" name="Picture 6"/>
+          <p:cNvPicPr/>
+          <p:nvPr/>
+        </p:nvPicPr>
+        <p:blipFill>
+          <a:blip r:embed="rId5">
+            <a:extLst>
+              <a:ext uri="{28A0092B-C50C-407E-A947-70E740481C1C}">
+                <a14:useLocalDpi xmlns:a14="http://schemas.microsoft.com/office/drawing/2010/main" val="0"/>
+              </a:ext>
+            </a:extLst>
+          </a:blip>
+          <a:stretch>
+            <a:fillRect/>
+          </a:stretch>
+        </p:blipFill>
+        <p:spPr>
+          <a:xfrm>
+            <a:off x="5835329" y="4412434"/>
+            <a:ext cx="5760720" cy="1929130"/>
+          </a:xfrm>
+          <a:prstGeom prst="rect">
+            <a:avLst/>
+          </a:prstGeom>
+        </p:spPr>
+      </p:pic>
+    </p:spTree>
+    <p:extLst>
+      <p:ext uri="{BB962C8B-B14F-4D97-AF65-F5344CB8AC3E}">
+        <p14:creationId xmlns:p14="http://schemas.microsoft.com/office/powerpoint/2010/main" val="1073034996"/>
+      </p:ext>
+    </p:extLst>
+  </p:cSld>
+  <p:clrMapOvr>
+    <a:masterClrMapping/>
+  </p:clrMapOvr>
+</p:sld>
+</file>
+
+<file path=ppt/slides/slide11.xml><?xml version="1.0" encoding="utf-8"?>
+<p:sld xmlns:a="http://schemas.openxmlformats.org/drawingml/2006/main" xmlns:r="http://schemas.openxmlformats.org/officeDocument/2006/relationships" xmlns:p="http://schemas.openxmlformats.org/presentationml/2006/main">
+  <p:cSld>
+    <p:spTree>
+      <p:nvGrpSpPr>
+        <p:cNvPr id="1" name=""/>
+        <p:cNvGrpSpPr/>
+        <p:nvPr/>
+      </p:nvGrpSpPr>
+      <p:grpSpPr>
+        <a:xfrm>
+          <a:off x="0" y="0"/>
+          <a:ext cx="0" cy="0"/>
+          <a:chOff x="0" y="0"/>
+          <a:chExt cx="0" cy="0"/>
+        </a:xfrm>
+      </p:grpSpPr>
+      <p:sp>
+        <p:nvSpPr>
+          <p:cNvPr id="2" name="Title 1"/>
+          <p:cNvSpPr>
+            <a:spLocks noGrp="1"/>
+          </p:cNvSpPr>
+          <p:nvPr>
+            <p:ph type="title"/>
+          </p:nvPr>
+        </p:nvSpPr>
         <p:spPr/>
         <p:txBody>
           <a:bodyPr/>
@@ -3214,7 +3426,7 @@
 </p:sld>
 </file>
 
-<file path=ppt/slides/slide11.xml><?xml version="1.0" encoding="utf-8"?>
+<file path=ppt/slides/slide12.xml><?xml version="1.0" encoding="utf-8"?>
 <p:sld xmlns:a="http://schemas.openxmlformats.org/drawingml/2006/main" xmlns:r="http://schemas.openxmlformats.org/officeDocument/2006/relationships" xmlns:p="http://schemas.openxmlformats.org/presentationml/2006/main">
   <p:cSld>
     <p:spTree>
@@ -3371,7 +3583,49 @@
                 <a:latin typeface="Times New Roman" panose="02020603050405020304" pitchFamily="18" charset="0"/>
                 <a:cs typeface="Times New Roman" panose="02020603050405020304" pitchFamily="18" charset="0"/>
               </a:rPr>
-              <a:t>навлизането на съвременните технологии в ежедневието ни, ние отделяме все по-малко време на пазаруването по щандовете и магазините. Напредъкът на компютърните технологии и Интернет предизвикват „революция“ в търговията, разкривайки нови възможности пред фирмите. С разрастването на така наречената „електронна търговия“ бавно, но сигурно се променят старите навици на пазаруване. </a:t>
+              <a:t>навлизането на съвременните технологии </a:t>
+            </a:r>
+            <a:r>
+              <a:rPr lang="bg-BG">
+                <a:latin typeface="Times New Roman" panose="02020603050405020304" pitchFamily="18" charset="0"/>
+                <a:cs typeface="Times New Roman" panose="02020603050405020304" pitchFamily="18" charset="0"/>
+              </a:rPr>
+              <a:t>в </a:t>
+            </a:r>
+            <a:r>
+              <a:rPr lang="bg-BG" smtClean="0">
+                <a:latin typeface="Times New Roman" panose="02020603050405020304" pitchFamily="18" charset="0"/>
+                <a:cs typeface="Times New Roman" panose="02020603050405020304" pitchFamily="18" charset="0"/>
+              </a:rPr>
+              <a:t>ежедневието, </a:t>
+            </a:r>
+            <a:r>
+              <a:rPr lang="bg-BG" dirty="0">
+                <a:latin typeface="Times New Roman" panose="02020603050405020304" pitchFamily="18" charset="0"/>
+                <a:cs typeface="Times New Roman" panose="02020603050405020304" pitchFamily="18" charset="0"/>
+              </a:rPr>
+              <a:t>отделяме все по-малко време на </a:t>
+            </a:r>
+            <a:r>
+              <a:rPr lang="bg-BG">
+                <a:latin typeface="Times New Roman" panose="02020603050405020304" pitchFamily="18" charset="0"/>
+                <a:cs typeface="Times New Roman" panose="02020603050405020304" pitchFamily="18" charset="0"/>
+              </a:rPr>
+              <a:t>пазаруването </a:t>
+            </a:r>
+            <a:r>
+              <a:rPr lang="bg-BG" smtClean="0">
+                <a:latin typeface="Times New Roman" panose="02020603050405020304" pitchFamily="18" charset="0"/>
+                <a:cs typeface="Times New Roman" panose="02020603050405020304" pitchFamily="18" charset="0"/>
+              </a:rPr>
+              <a:t>по </a:t>
+            </a:r>
+            <a:r>
+              <a:rPr lang="bg-BG" dirty="0">
+                <a:latin typeface="Times New Roman" panose="02020603050405020304" pitchFamily="18" charset="0"/>
+                <a:cs typeface="Times New Roman" panose="02020603050405020304" pitchFamily="18" charset="0"/>
+              </a:rPr>
+              <a:t>магазините. Напредъкът на компютърните технологии и Интернет предизвикват „революция“ в търговията, разкривайки нови възможности пред фирмите. С разрастването на така наречената „електронна търговия“ бавно, но сигурно се променят старите навици на пазаруване. </a:t>
             </a:r>
           </a:p>
         </p:txBody>
@@ -3674,6 +3928,96 @@
             <p:ph type="title"/>
           </p:nvPr>
         </p:nvSpPr>
+        <p:spPr>
+          <a:xfrm>
+            <a:off x="563880" y="2766218"/>
+            <a:ext cx="3485606" cy="1325563"/>
+          </a:xfrm>
+        </p:spPr>
+        <p:txBody>
+          <a:bodyPr/>
+          <a:lstStyle/>
+          <a:p>
+            <a:r>
+              <a:rPr lang="bg-BG" dirty="0">
+                <a:solidFill>
+                  <a:srgbClr val="0070C0"/>
+                </a:solidFill>
+              </a:rPr>
+              <a:t>Използвани таблици</a:t>
+            </a:r>
+          </a:p>
+        </p:txBody>
+      </p:sp>
+      <p:pic>
+        <p:nvPicPr>
+          <p:cNvPr id="4" name="Content Placeholder 3"/>
+          <p:cNvPicPr>
+            <a:picLocks noGrp="1" noChangeAspect="1"/>
+          </p:cNvPicPr>
+          <p:nvPr>
+            <p:ph idx="1"/>
+          </p:nvPr>
+        </p:nvPicPr>
+        <p:blipFill>
+          <a:blip r:embed="rId2">
+            <a:extLst>
+              <a:ext uri="{28A0092B-C50C-407E-A947-70E740481C1C}">
+                <a14:useLocalDpi xmlns:a14="http://schemas.microsoft.com/office/drawing/2010/main" val="0"/>
+              </a:ext>
+            </a:extLst>
+          </a:blip>
+          <a:stretch>
+            <a:fillRect/>
+          </a:stretch>
+        </p:blipFill>
+        <p:spPr>
+          <a:xfrm>
+            <a:off x="3935411" y="-1"/>
+            <a:ext cx="7172373" cy="6858000"/>
+          </a:xfrm>
+        </p:spPr>
+      </p:pic>
+    </p:spTree>
+    <p:extLst>
+      <p:ext uri="{BB962C8B-B14F-4D97-AF65-F5344CB8AC3E}">
+        <p14:creationId xmlns:p14="http://schemas.microsoft.com/office/powerpoint/2010/main" val="323434525"/>
+      </p:ext>
+    </p:extLst>
+  </p:cSld>
+  <p:clrMapOvr>
+    <a:masterClrMapping/>
+  </p:clrMapOvr>
+</p:sld>
+</file>
+
+<file path=ppt/slides/slide5.xml><?xml version="1.0" encoding="utf-8"?>
+<p:sld xmlns:a="http://schemas.openxmlformats.org/drawingml/2006/main" xmlns:r="http://schemas.openxmlformats.org/officeDocument/2006/relationships" xmlns:p="http://schemas.openxmlformats.org/presentationml/2006/main">
+  <p:cSld>
+    <p:spTree>
+      <p:nvGrpSpPr>
+        <p:cNvPr id="1" name=""/>
+        <p:cNvGrpSpPr/>
+        <p:nvPr/>
+      </p:nvGrpSpPr>
+      <p:grpSpPr>
+        <a:xfrm>
+          <a:off x="0" y="0"/>
+          <a:ext cx="0" cy="0"/>
+          <a:chOff x="0" y="0"/>
+          <a:chExt cx="0" cy="0"/>
+        </a:xfrm>
+      </p:grpSpPr>
+      <p:sp>
+        <p:nvSpPr>
+          <p:cNvPr id="2" name="Title 1"/>
+          <p:cNvSpPr>
+            <a:spLocks noGrp="1"/>
+          </p:cNvSpPr>
+          <p:nvPr>
+            <p:ph type="title"/>
+          </p:nvPr>
+        </p:nvSpPr>
         <p:spPr/>
         <p:txBody>
           <a:bodyPr/>
@@ -3719,7 +4063,7 @@
                 <a:latin typeface="Times New Roman" panose="02020603050405020304" pitchFamily="18" charset="0"/>
                 <a:cs typeface="Times New Roman" panose="02020603050405020304" pitchFamily="18" charset="0"/>
               </a:rPr>
-              <a:t>потребител</a:t>
+              <a:t>потребител                        Вход</a:t>
             </a:r>
           </a:p>
         </p:txBody>
@@ -3745,7 +4089,35 @@
         <p:spPr>
           <a:xfrm>
             <a:off x="838200" y="2471536"/>
-            <a:ext cx="8138160" cy="3574798"/>
+            <a:ext cx="6162454" cy="2805858"/>
+          </a:xfrm>
+          <a:prstGeom prst="rect">
+            <a:avLst/>
+          </a:prstGeom>
+        </p:spPr>
+      </p:pic>
+      <p:pic>
+        <p:nvPicPr>
+          <p:cNvPr id="5" name="Picture 4"/>
+          <p:cNvPicPr/>
+          <p:nvPr/>
+        </p:nvPicPr>
+        <p:blipFill>
+          <a:blip r:embed="rId3">
+            <a:extLst>
+              <a:ext uri="{28A0092B-C50C-407E-A947-70E740481C1C}">
+                <a14:useLocalDpi xmlns:a14="http://schemas.microsoft.com/office/drawing/2010/main" val="0"/>
+              </a:ext>
+            </a:extLst>
+          </a:blip>
+          <a:stretch>
+            <a:fillRect/>
+          </a:stretch>
+        </p:blipFill>
+        <p:spPr>
+          <a:xfrm>
+            <a:off x="7188356" y="2713117"/>
+            <a:ext cx="4228011" cy="2576354"/>
           </a:xfrm>
           <a:prstGeom prst="rect">
             <a:avLst/>
@@ -3772,7 +4144,7 @@
 </p:sld>
 </file>
 
-<file path=ppt/slides/slide5.xml><?xml version="1.0" encoding="utf-8"?>
+<file path=ppt/slides/slide6.xml><?xml version="1.0" encoding="utf-8"?>
 <p:sld xmlns:a="http://schemas.openxmlformats.org/drawingml/2006/main" xmlns:r="http://schemas.openxmlformats.org/officeDocument/2006/relationships" xmlns:p="http://schemas.openxmlformats.org/presentationml/2006/main">
   <p:cSld>
     <p:spTree>
@@ -3860,7 +4232,7 @@
 </p:sld>
 </file>
 
-<file path=ppt/slides/slide6.xml><?xml version="1.0" encoding="utf-8"?>
+<file path=ppt/slides/slide7.xml><?xml version="1.0" encoding="utf-8"?>
 <p:sld xmlns:a="http://schemas.openxmlformats.org/drawingml/2006/main" xmlns:r="http://schemas.openxmlformats.org/officeDocument/2006/relationships" xmlns:p="http://schemas.openxmlformats.org/presentationml/2006/main">
   <p:cSld>
     <p:spTree>
@@ -3948,7 +4320,7 @@
 </p:sld>
 </file>
 
-<file path=ppt/slides/slide7.xml><?xml version="1.0" encoding="utf-8"?>
+<file path=ppt/slides/slide8.xml><?xml version="1.0" encoding="utf-8"?>
 <p:sld xmlns:a="http://schemas.openxmlformats.org/drawingml/2006/main" xmlns:r="http://schemas.openxmlformats.org/officeDocument/2006/relationships" xmlns:p="http://schemas.openxmlformats.org/presentationml/2006/main">
   <p:cSld>
     <p:spTree>
@@ -3998,10 +4370,6 @@
               </a:rPr>
               <a:t>Поръчване на даден продукт</a:t>
             </a:r>
-            <a:endParaRPr lang="bg-BG" dirty="0">
-              <a:latin typeface="Times New Roman" panose="02020603050405020304" pitchFamily="18" charset="0"/>
-              <a:cs typeface="Times New Roman" panose="02020603050405020304" pitchFamily="18" charset="0"/>
-            </a:endParaRPr>
           </a:p>
         </p:txBody>
       </p:sp>
@@ -4050,7 +4418,7 @@
 </p:sld>
 </file>
 
-<file path=ppt/slides/slide8.xml><?xml version="1.0" encoding="utf-8"?>
+<file path=ppt/slides/slide9.xml><?xml version="1.0" encoding="utf-8"?>
 <p:sld xmlns:a="http://schemas.openxmlformats.org/drawingml/2006/main" xmlns:r="http://schemas.openxmlformats.org/officeDocument/2006/relationships" xmlns:p="http://schemas.openxmlformats.org/presentationml/2006/main">
   <p:cSld>
     <p:spTree>
@@ -4093,10 +4461,6 @@
               </a:rPr>
               <a:t>Допълнителна информация за даден продукт </a:t>
             </a:r>
-            <a:endParaRPr lang="bg-BG" dirty="0">
-              <a:latin typeface="Times New Roman" panose="02020603050405020304" pitchFamily="18" charset="0"/>
-              <a:cs typeface="Times New Roman" panose="02020603050405020304" pitchFamily="18" charset="0"/>
-            </a:endParaRPr>
           </a:p>
         </p:txBody>
       </p:sp>
@@ -4136,195 +4500,6 @@
     <p:extLst>
       <p:ext uri="{BB962C8B-B14F-4D97-AF65-F5344CB8AC3E}">
         <p14:creationId xmlns:p14="http://schemas.microsoft.com/office/powerpoint/2010/main" val="3367695091"/>
-      </p:ext>
-    </p:extLst>
-  </p:cSld>
-  <p:clrMapOvr>
-    <a:masterClrMapping/>
-  </p:clrMapOvr>
-</p:sld>
-</file>
-
-<file path=ppt/slides/slide9.xml><?xml version="1.0" encoding="utf-8"?>
-<p:sld xmlns:a="http://schemas.openxmlformats.org/drawingml/2006/main" xmlns:r="http://schemas.openxmlformats.org/officeDocument/2006/relationships" xmlns:p="http://schemas.openxmlformats.org/presentationml/2006/main">
-  <p:cSld>
-    <p:spTree>
-      <p:nvGrpSpPr>
-        <p:cNvPr id="1" name=""/>
-        <p:cNvGrpSpPr/>
-        <p:nvPr/>
-      </p:nvGrpSpPr>
-      <p:grpSpPr>
-        <a:xfrm>
-          <a:off x="0" y="0"/>
-          <a:ext cx="0" cy="0"/>
-          <a:chOff x="0" y="0"/>
-          <a:chExt cx="0" cy="0"/>
-        </a:xfrm>
-      </p:grpSpPr>
-      <p:sp>
-        <p:nvSpPr>
-          <p:cNvPr id="2" name="Title 1"/>
-          <p:cNvSpPr>
-            <a:spLocks noGrp="1"/>
-          </p:cNvSpPr>
-          <p:nvPr>
-            <p:ph type="title"/>
-          </p:nvPr>
-        </p:nvSpPr>
-        <p:spPr>
-          <a:xfrm>
-            <a:off x="838200" y="365125"/>
-            <a:ext cx="10515600" cy="666841"/>
-          </a:xfrm>
-        </p:spPr>
-        <p:txBody>
-          <a:bodyPr>
-            <a:normAutofit fontScale="90000"/>
-          </a:bodyPr>
-          <a:lstStyle/>
-          <a:p>
-            <a:pPr algn="ctr"/>
-            <a:r>
-              <a:rPr lang="bg-BG" b="1" dirty="0">
-                <a:solidFill>
-                  <a:srgbClr val="0070C0"/>
-                </a:solidFill>
-                <a:latin typeface="Times New Roman" panose="02020603050405020304" pitchFamily="18" charset="0"/>
-                <a:cs typeface="Times New Roman" panose="02020603050405020304" pitchFamily="18" charset="0"/>
-              </a:rPr>
-              <a:t>Администраторски панел</a:t>
-            </a:r>
-            <a:endParaRPr lang="bg-BG" b="1" dirty="0">
-              <a:solidFill>
-                <a:srgbClr val="0070C0"/>
-              </a:solidFill>
-              <a:latin typeface="Times New Roman" panose="02020603050405020304" pitchFamily="18" charset="0"/>
-              <a:cs typeface="Times New Roman" panose="02020603050405020304" pitchFamily="18" charset="0"/>
-            </a:endParaRPr>
-          </a:p>
-        </p:txBody>
-      </p:sp>
-      <p:pic>
-        <p:nvPicPr>
-          <p:cNvPr id="4" name="Content Placeholder 3"/>
-          <p:cNvPicPr>
-            <a:picLocks noGrp="1"/>
-          </p:cNvPicPr>
-          <p:nvPr>
-            <p:ph idx="1"/>
-          </p:nvPr>
-        </p:nvPicPr>
-        <p:blipFill>
-          <a:blip r:embed="rId2">
-            <a:extLst>
-              <a:ext uri="{28A0092B-C50C-407E-A947-70E740481C1C}">
-                <a14:useLocalDpi xmlns:a14="http://schemas.microsoft.com/office/drawing/2010/main" val="0"/>
-              </a:ext>
-            </a:extLst>
-          </a:blip>
-          <a:stretch>
-            <a:fillRect/>
-          </a:stretch>
-        </p:blipFill>
-        <p:spPr>
-          <a:xfrm>
-            <a:off x="74609" y="1031966"/>
-            <a:ext cx="6349051" cy="3077256"/>
-          </a:xfrm>
-          <a:prstGeom prst="rect">
-            <a:avLst/>
-          </a:prstGeom>
-        </p:spPr>
-      </p:pic>
-      <p:pic>
-        <p:nvPicPr>
-          <p:cNvPr id="5" name="Picture 4"/>
-          <p:cNvPicPr/>
-          <p:nvPr/>
-        </p:nvPicPr>
-        <p:blipFill>
-          <a:blip r:embed="rId3">
-            <a:extLst>
-              <a:ext uri="{28A0092B-C50C-407E-A947-70E740481C1C}">
-                <a14:useLocalDpi xmlns:a14="http://schemas.microsoft.com/office/drawing/2010/main" val="0"/>
-              </a:ext>
-            </a:extLst>
-          </a:blip>
-          <a:stretch>
-            <a:fillRect/>
-          </a:stretch>
-        </p:blipFill>
-        <p:spPr>
-          <a:xfrm>
-            <a:off x="6423660" y="966607"/>
-            <a:ext cx="5768340" cy="3142615"/>
-          </a:xfrm>
-          <a:prstGeom prst="rect">
-            <a:avLst/>
-          </a:prstGeom>
-        </p:spPr>
-      </p:pic>
-      <p:pic>
-        <p:nvPicPr>
-          <p:cNvPr id="6" name="Picture 5"/>
-          <p:cNvPicPr/>
-          <p:nvPr/>
-        </p:nvPicPr>
-        <p:blipFill>
-          <a:blip r:embed="rId4">
-            <a:extLst>
-              <a:ext uri="{28A0092B-C50C-407E-A947-70E740481C1C}">
-                <a14:useLocalDpi xmlns:a14="http://schemas.microsoft.com/office/drawing/2010/main" val="0"/>
-              </a:ext>
-            </a:extLst>
-          </a:blip>
-          <a:stretch>
-            <a:fillRect/>
-          </a:stretch>
-        </p:blipFill>
-        <p:spPr>
-          <a:xfrm>
-            <a:off x="74609" y="4109222"/>
-            <a:ext cx="5760720" cy="2535555"/>
-          </a:xfrm>
-          <a:prstGeom prst="rect">
-            <a:avLst/>
-          </a:prstGeom>
-        </p:spPr>
-      </p:pic>
-      <p:pic>
-        <p:nvPicPr>
-          <p:cNvPr id="7" name="Picture 6"/>
-          <p:cNvPicPr/>
-          <p:nvPr/>
-        </p:nvPicPr>
-        <p:blipFill>
-          <a:blip r:embed="rId5">
-            <a:extLst>
-              <a:ext uri="{28A0092B-C50C-407E-A947-70E740481C1C}">
-                <a14:useLocalDpi xmlns:a14="http://schemas.microsoft.com/office/drawing/2010/main" val="0"/>
-              </a:ext>
-            </a:extLst>
-          </a:blip>
-          <a:stretch>
-            <a:fillRect/>
-          </a:stretch>
-        </p:blipFill>
-        <p:spPr>
-          <a:xfrm>
-            <a:off x="5835329" y="4412434"/>
-            <a:ext cx="5760720" cy="1929130"/>
-          </a:xfrm>
-          <a:prstGeom prst="rect">
-            <a:avLst/>
-          </a:prstGeom>
-        </p:spPr>
-      </p:pic>
-    </p:spTree>
-    <p:extLst>
-      <p:ext uri="{BB962C8B-B14F-4D97-AF65-F5344CB8AC3E}">
-        <p14:creationId xmlns:p14="http://schemas.microsoft.com/office/powerpoint/2010/main" val="1073034996"/>
       </p:ext>
     </p:extLst>
   </p:cSld>
